--- a/第二篇_IM的技术选型.pptx
+++ b/第二篇_IM的技术选型.pptx
@@ -30,14 +30,15 @@
     <p:sldId id="626" r:id="rId23"/>
     <p:sldId id="671" r:id="rId24"/>
     <p:sldId id="645" r:id="rId25"/>
-    <p:sldId id="647" r:id="rId26"/>
-    <p:sldId id="651" r:id="rId27"/>
-    <p:sldId id="646" r:id="rId28"/>
-    <p:sldId id="699" r:id="rId29"/>
-    <p:sldId id="633" r:id="rId30"/>
-    <p:sldId id="630" r:id="rId31"/>
-    <p:sldId id="631" r:id="rId32"/>
-    <p:sldId id="644" r:id="rId33"/>
+    <p:sldId id="704" r:id="rId26"/>
+    <p:sldId id="647" r:id="rId27"/>
+    <p:sldId id="651" r:id="rId28"/>
+    <p:sldId id="646" r:id="rId29"/>
+    <p:sldId id="699" r:id="rId30"/>
+    <p:sldId id="633" r:id="rId31"/>
+    <p:sldId id="630" r:id="rId32"/>
+    <p:sldId id="631" r:id="rId33"/>
+    <p:sldId id="644" r:id="rId34"/>
   </p:sldIdLst>
   <p:sldSz cx="9144000" cy="6858000" type="screen4x3"/>
   <p:notesSz cx="6858000" cy="9144000"/>
@@ -22823,6 +22824,69 @@
         </p:nvSpPr>
         <p:spPr/>
         <p:txBody>
+          <a:bodyPr/>
+          <a:p>
+            <a:endParaRPr lang="zh-CN" altLang="en-US"/>
+          </a:p>
+        </p:txBody>
+      </p:sp>
+      <p:pic>
+        <p:nvPicPr>
+          <p:cNvPr id="4" name="图片 3"/>
+          <p:cNvPicPr>
+            <a:picLocks noChangeAspect="1"/>
+          </p:cNvPicPr>
+          <p:nvPr/>
+        </p:nvPicPr>
+        <p:blipFill>
+          <a:blip r:embed="rId1"/>
+          <a:stretch>
+            <a:fillRect/>
+          </a:stretch>
+        </p:blipFill>
+        <p:spPr>
+          <a:xfrm>
+            <a:off x="186055" y="909320"/>
+            <a:ext cx="8278495" cy="5499735"/>
+          </a:xfrm>
+          <a:prstGeom prst="rect">
+            <a:avLst/>
+          </a:prstGeom>
+        </p:spPr>
+      </p:pic>
+    </p:spTree>
+    <p:custDataLst>
+      <p:tags r:id="rId2"/>
+    </p:custDataLst>
+  </p:cSld>
+  <p:clrMapOvr>
+    <a:masterClrMapping/>
+  </p:clrMapOvr>
+</p:sld>
+</file>
+
+<file path=ppt/slides/slide21.xml><?xml version="1.0" encoding="utf-8"?>
+<p:sld xmlns:a="http://schemas.openxmlformats.org/drawingml/2006/main" xmlns:r="http://schemas.openxmlformats.org/officeDocument/2006/relationships" xmlns:p="http://schemas.openxmlformats.org/presentationml/2006/main">
+  <p:cSld>
+    <p:spTree>
+      <p:nvGrpSpPr>
+        <p:cNvPr id="1" name=""/>
+        <p:cNvGrpSpPr/>
+        <p:nvPr/>
+      </p:nvGrpSpPr>
+      <p:grpSpPr/>
+      <p:sp>
+        <p:nvSpPr>
+          <p:cNvPr id="2" name="标题 1"/>
+          <p:cNvSpPr>
+            <a:spLocks noGrp="1"/>
+          </p:cNvSpPr>
+          <p:nvPr>
+            <p:ph type="title"/>
+          </p:nvPr>
+        </p:nvSpPr>
+        <p:spPr/>
+        <p:txBody>
           <a:bodyPr>
             <a:normAutofit/>
           </a:bodyPr>
@@ -23233,7 +23297,7 @@
 </p:sld>
 </file>
 
-<file path=ppt/slides/slide21.xml><?xml version="1.0" encoding="utf-8"?>
+<file path=ppt/slides/slide22.xml><?xml version="1.0" encoding="utf-8"?>
 <p:sld xmlns:a="http://schemas.openxmlformats.org/drawingml/2006/main" xmlns:r="http://schemas.openxmlformats.org/officeDocument/2006/relationships" xmlns:p="http://schemas.openxmlformats.org/presentationml/2006/main">
   <p:cSld>
     <p:spTree>
@@ -23713,7 +23777,7 @@
 </p:sld>
 </file>
 
-<file path=ppt/slides/slide22.xml><?xml version="1.0" encoding="utf-8"?>
+<file path=ppt/slides/slide23.xml><?xml version="1.0" encoding="utf-8"?>
 <p:sld xmlns:a="http://schemas.openxmlformats.org/drawingml/2006/main" xmlns:r="http://schemas.openxmlformats.org/officeDocument/2006/relationships" xmlns:p="http://schemas.openxmlformats.org/presentationml/2006/main">
   <p:cSld>
     <p:spTree>
@@ -23761,7 +23825,7 @@
 </p:sld>
 </file>
 
-<file path=ppt/slides/slide23.xml><?xml version="1.0" encoding="utf-8"?>
+<file path=ppt/slides/slide24.xml><?xml version="1.0" encoding="utf-8"?>
 <p:sld xmlns:a="http://schemas.openxmlformats.org/drawingml/2006/main" xmlns:r="http://schemas.openxmlformats.org/officeDocument/2006/relationships" xmlns:p="http://schemas.openxmlformats.org/presentationml/2006/main">
   <p:cSld>
     <p:spTree>
@@ -23987,7 +24051,7 @@
 </p:sld>
 </file>
 
-<file path=ppt/slides/slide24.xml><?xml version="1.0" encoding="utf-8"?>
+<file path=ppt/slides/slide25.xml><?xml version="1.0" encoding="utf-8"?>
 <p:sld xmlns:a="http://schemas.openxmlformats.org/drawingml/2006/main" xmlns:r="http://schemas.openxmlformats.org/officeDocument/2006/relationships" xmlns:p="http://schemas.openxmlformats.org/presentationml/2006/main">
   <p:cSld>
     <p:spTree>
@@ -26058,583 +26122,6 @@
               <a:latin typeface="Arial" panose="020B0604020202020204" pitchFamily="34" charset="0"/>
               <a:ea typeface="微软雅黑" panose="020B0503020204020204" charset="-122"/>
             </a:endParaRPr>
-          </a:p>
-        </p:txBody>
-      </p:sp>
-    </p:spTree>
-    <p:custDataLst>
-      <p:tags r:id="rId1"/>
-    </p:custDataLst>
-  </p:cSld>
-  <p:clrMapOvr>
-    <a:masterClrMapping/>
-  </p:clrMapOvr>
-  <p:transition/>
-</p:sld>
-</file>
-
-<file path=ppt/slides/slide25.xml><?xml version="1.0" encoding="utf-8"?>
-<p:sld xmlns:a="http://schemas.openxmlformats.org/drawingml/2006/main" xmlns:r="http://schemas.openxmlformats.org/officeDocument/2006/relationships" xmlns:p="http://schemas.openxmlformats.org/presentationml/2006/main">
-  <p:cSld>
-    <p:spTree>
-      <p:nvGrpSpPr>
-        <p:cNvPr id="1" name=""/>
-        <p:cNvGrpSpPr/>
-        <p:nvPr/>
-      </p:nvGrpSpPr>
-      <p:grpSpPr/>
-      <p:sp>
-        <p:nvSpPr>
-          <p:cNvPr id="2" name="标题 1"/>
-          <p:cNvSpPr>
-            <a:spLocks noGrp="1"/>
-          </p:cNvSpPr>
-          <p:nvPr>
-            <p:ph type="title"/>
-          </p:nvPr>
-        </p:nvSpPr>
-        <p:spPr/>
-        <p:txBody>
-          <a:bodyPr/>
-          <a:p>
-            <a:r>
-              <a:rPr lang="zh-CN" altLang="en-US"/>
-              <a:t>附录：编程名言</a:t>
-            </a:r>
-            <a:endParaRPr lang="zh-CN" altLang="en-US"/>
-          </a:p>
-        </p:txBody>
-      </p:sp>
-      <p:sp>
-        <p:nvSpPr>
-          <p:cNvPr id="3" name="文本框 2"/>
-          <p:cNvSpPr txBox="1"/>
-          <p:nvPr/>
-        </p:nvSpPr>
-        <p:spPr>
-          <a:xfrm>
-            <a:off x="419100" y="883285"/>
-            <a:ext cx="5744845" cy="250825"/>
-          </a:xfrm>
-          <a:prstGeom prst="rect">
-            <a:avLst/>
-          </a:prstGeom>
-          <a:noFill/>
-        </p:spPr>
-        <p:txBody>
-          <a:bodyPr wrap="square" rtlCol="0" anchor="t">
-            <a:spAutoFit/>
-          </a:bodyPr>
-          <a:p>
-            <a:pPr>
-              <a:lnSpc>
-                <a:spcPct val="130000"/>
-              </a:lnSpc>
-            </a:pPr>
-            <a:r>
-              <a:rPr lang="zh-CN" altLang="en-US" sz="800" dirty="0" smtClean="0">
-                <a:latin typeface="Arial" panose="020B0604020202020204" pitchFamily="34" charset="0"/>
-                <a:ea typeface="微软雅黑" panose="020B0503020204020204" charset="-122"/>
-              </a:rPr>
-              <a:t>https://linux.cn/article-5831-1.html</a:t>
-            </a:r>
-            <a:endParaRPr lang="zh-CN" altLang="en-US" sz="800" dirty="0" smtClean="0">
-              <a:latin typeface="Arial" panose="020B0604020202020204" pitchFamily="34" charset="0"/>
-              <a:ea typeface="微软雅黑" panose="020B0503020204020204" charset="-122"/>
-            </a:endParaRPr>
-          </a:p>
-        </p:txBody>
-      </p:sp>
-      <p:sp>
-        <p:nvSpPr>
-          <p:cNvPr id="4" name="文本框 3"/>
-          <p:cNvSpPr txBox="1"/>
-          <p:nvPr/>
-        </p:nvSpPr>
-        <p:spPr>
-          <a:xfrm>
-            <a:off x="475615" y="1188720"/>
-            <a:ext cx="8241665" cy="650240"/>
-          </a:xfrm>
-          <a:prstGeom prst="rect">
-            <a:avLst/>
-          </a:prstGeom>
-          <a:noFill/>
-        </p:spPr>
-        <p:txBody>
-          <a:bodyPr wrap="square" rtlCol="0" anchor="t">
-            <a:spAutoFit/>
-          </a:bodyPr>
-          <a:p>
-            <a:pPr>
-              <a:lnSpc>
-                <a:spcPct val="130000"/>
-              </a:lnSpc>
-            </a:pPr>
-            <a:r>
-              <a:rPr lang="zh-CN" altLang="en-US" sz="1400" dirty="0" smtClean="0">
-                <a:latin typeface="Arial" panose="020B0604020202020204" pitchFamily="34" charset="0"/>
-                <a:ea typeface="微软雅黑" panose="020B0503020204020204" charset="-122"/>
-              </a:rPr>
-              <a:t>有两种软件设计的方式：一种是使它足够简单以致于明显没有缺陷，另一种则是使它足够复杂以致于没有明显的缺陷。</a:t>
-            </a:r>
-            <a:endParaRPr lang="zh-CN" altLang="en-US" sz="1400" dirty="0" smtClean="0">
-              <a:latin typeface="Arial" panose="020B0604020202020204" pitchFamily="34" charset="0"/>
-              <a:ea typeface="微软雅黑" panose="020B0503020204020204" charset="-122"/>
-            </a:endParaRPr>
-          </a:p>
-        </p:txBody>
-      </p:sp>
-      <p:sp>
-        <p:nvSpPr>
-          <p:cNvPr id="5" name="文本框 4"/>
-          <p:cNvSpPr txBox="1"/>
-          <p:nvPr/>
-        </p:nvSpPr>
-        <p:spPr>
-          <a:xfrm>
-            <a:off x="475615" y="1997075"/>
-            <a:ext cx="2694305" cy="370840"/>
-          </a:xfrm>
-          <a:prstGeom prst="rect">
-            <a:avLst/>
-          </a:prstGeom>
-          <a:noFill/>
-          <a:ln>
-            <a:solidFill>
-              <a:srgbClr val="FF0000"/>
-            </a:solidFill>
-          </a:ln>
-        </p:spPr>
-        <p:txBody>
-          <a:bodyPr wrap="square" rtlCol="0" anchor="t">
-            <a:spAutoFit/>
-          </a:bodyPr>
-          <a:p>
-            <a:pPr>
-              <a:lnSpc>
-                <a:spcPct val="130000"/>
-              </a:lnSpc>
-            </a:pPr>
-            <a:r>
-              <a:rPr lang="zh-CN" altLang="en-US" sz="1400" dirty="0" smtClean="0">
-                <a:latin typeface="Arial" panose="020B0604020202020204" pitchFamily="34" charset="0"/>
-                <a:ea typeface="微软雅黑" panose="020B0503020204020204" charset="-122"/>
-              </a:rPr>
-              <a:t>若无把握，暴力破解。</a:t>
-            </a:r>
-            <a:endParaRPr lang="zh-CN" altLang="en-US" sz="1400" dirty="0" smtClean="0">
-              <a:latin typeface="Arial" panose="020B0604020202020204" pitchFamily="34" charset="0"/>
-              <a:ea typeface="微软雅黑" panose="020B0503020204020204" charset="-122"/>
-            </a:endParaRPr>
-          </a:p>
-        </p:txBody>
-      </p:sp>
-      <p:sp>
-        <p:nvSpPr>
-          <p:cNvPr id="6" name="文本框 5"/>
-          <p:cNvSpPr txBox="1"/>
-          <p:nvPr/>
-        </p:nvSpPr>
-        <p:spPr>
-          <a:xfrm>
-            <a:off x="475615" y="2526030"/>
-            <a:ext cx="5981065" cy="370840"/>
-          </a:xfrm>
-          <a:prstGeom prst="rect">
-            <a:avLst/>
-          </a:prstGeom>
-          <a:noFill/>
-          <a:ln>
-            <a:solidFill>
-              <a:srgbClr val="FF0000"/>
-            </a:solidFill>
-          </a:ln>
-        </p:spPr>
-        <p:txBody>
-          <a:bodyPr wrap="square" rtlCol="0" anchor="t">
-            <a:spAutoFit/>
-          </a:bodyPr>
-          <a:p>
-            <a:pPr>
-              <a:lnSpc>
-                <a:spcPct val="130000"/>
-              </a:lnSpc>
-            </a:pPr>
-            <a:r>
-              <a:rPr lang="zh-CN" altLang="en-US" sz="1400" dirty="0" smtClean="0">
-                <a:latin typeface="Arial" panose="020B0604020202020204" pitchFamily="34" charset="0"/>
-                <a:ea typeface="微软雅黑" panose="020B0503020204020204" charset="-122"/>
-              </a:rPr>
-              <a:t>最有效的调试工具是静下心来仔细思考，辅之审慎地放置打印语句。</a:t>
-            </a:r>
-            <a:endParaRPr lang="zh-CN" altLang="en-US" sz="1400" dirty="0" smtClean="0">
-              <a:latin typeface="Arial" panose="020B0604020202020204" pitchFamily="34" charset="0"/>
-              <a:ea typeface="微软雅黑" panose="020B0503020204020204" charset="-122"/>
-            </a:endParaRPr>
-          </a:p>
-        </p:txBody>
-      </p:sp>
-      <p:sp>
-        <p:nvSpPr>
-          <p:cNvPr id="7" name="文本框 6"/>
-          <p:cNvSpPr txBox="1"/>
-          <p:nvPr/>
-        </p:nvSpPr>
-        <p:spPr>
-          <a:xfrm>
-            <a:off x="475615" y="3054985"/>
-            <a:ext cx="4516120" cy="370840"/>
-          </a:xfrm>
-          <a:prstGeom prst="rect">
-            <a:avLst/>
-          </a:prstGeom>
-          <a:noFill/>
-        </p:spPr>
-        <p:txBody>
-          <a:bodyPr wrap="square" rtlCol="0" anchor="t">
-            <a:spAutoFit/>
-          </a:bodyPr>
-          <a:p>
-            <a:pPr>
-              <a:lnSpc>
-                <a:spcPct val="130000"/>
-              </a:lnSpc>
-            </a:pPr>
-            <a:r>
-              <a:rPr lang="zh-CN" altLang="en-US" sz="1400" b="1" dirty="0" smtClean="0">
-                <a:latin typeface="Arial" panose="020B0604020202020204" pitchFamily="34" charset="0"/>
-                <a:ea typeface="微软雅黑" panose="020B0503020204020204" charset="-122"/>
-              </a:rPr>
-              <a:t>限制方法的灵活性几乎总会让你把事情做得更好。</a:t>
-            </a:r>
-            <a:endParaRPr lang="zh-CN" altLang="en-US" sz="1400" b="1" dirty="0" smtClean="0">
-              <a:latin typeface="Arial" panose="020B0604020202020204" pitchFamily="34" charset="0"/>
-              <a:ea typeface="微软雅黑" panose="020B0503020204020204" charset="-122"/>
-            </a:endParaRPr>
-          </a:p>
-        </p:txBody>
-      </p:sp>
-      <p:sp>
-        <p:nvSpPr>
-          <p:cNvPr id="8" name="文本框 7"/>
-          <p:cNvSpPr txBox="1"/>
-          <p:nvPr/>
-        </p:nvSpPr>
-        <p:spPr>
-          <a:xfrm>
-            <a:off x="475615" y="3583940"/>
-            <a:ext cx="5753735" cy="370840"/>
-          </a:xfrm>
-          <a:prstGeom prst="rect">
-            <a:avLst/>
-          </a:prstGeom>
-          <a:solidFill>
-            <a:schemeClr val="accent3">
-              <a:lumMod val="20000"/>
-              <a:lumOff val="80000"/>
-            </a:schemeClr>
-          </a:solidFill>
-          <a:ln>
-            <a:solidFill>
-              <a:srgbClr val="FF0000"/>
-            </a:solidFill>
-          </a:ln>
-        </p:spPr>
-        <p:txBody>
-          <a:bodyPr wrap="square" rtlCol="0" anchor="t">
-            <a:spAutoFit/>
-          </a:bodyPr>
-          <a:p>
-            <a:pPr>
-              <a:lnSpc>
-                <a:spcPct val="130000"/>
-              </a:lnSpc>
-            </a:pPr>
-            <a:r>
-              <a:rPr lang="zh-CN" altLang="en-US" sz="1400" dirty="0" smtClean="0">
-                <a:latin typeface="Arial" panose="020B0604020202020204" pitchFamily="34" charset="0"/>
-                <a:ea typeface="微软雅黑" panose="020B0503020204020204" charset="-122"/>
-              </a:rPr>
-              <a:t>所有计算机的问题都可以通过增加一个中间层来解决。</a:t>
-            </a:r>
-            <a:endParaRPr lang="zh-CN" altLang="en-US" sz="1400" dirty="0" smtClean="0">
-              <a:latin typeface="Arial" panose="020B0604020202020204" pitchFamily="34" charset="0"/>
-              <a:ea typeface="微软雅黑" panose="020B0503020204020204" charset="-122"/>
-            </a:endParaRPr>
-          </a:p>
-        </p:txBody>
-      </p:sp>
-      <p:sp>
-        <p:nvSpPr>
-          <p:cNvPr id="9" name="文本框 8"/>
-          <p:cNvSpPr txBox="1"/>
-          <p:nvPr/>
-        </p:nvSpPr>
-        <p:spPr>
-          <a:xfrm>
-            <a:off x="475615" y="4112895"/>
-            <a:ext cx="5903595" cy="370840"/>
-          </a:xfrm>
-          <a:prstGeom prst="rect">
-            <a:avLst/>
-          </a:prstGeom>
-          <a:noFill/>
-          <a:ln>
-            <a:solidFill>
-              <a:srgbClr val="FF0000"/>
-            </a:solidFill>
-          </a:ln>
-        </p:spPr>
-        <p:txBody>
-          <a:bodyPr wrap="square" rtlCol="0" anchor="t">
-            <a:spAutoFit/>
-          </a:bodyPr>
-          <a:p>
-            <a:pPr>
-              <a:lnSpc>
-                <a:spcPct val="130000"/>
-              </a:lnSpc>
-            </a:pPr>
-            <a:r>
-              <a:rPr lang="zh-CN" altLang="en-US" sz="1400" dirty="0" smtClean="0">
-                <a:latin typeface="Arial" panose="020B0604020202020204" pitchFamily="34" charset="0"/>
-                <a:ea typeface="微软雅黑" panose="020B0503020204020204" charset="-122"/>
-              </a:rPr>
-              <a:t>以代码行数来衡量程序设计的进度，就好比以重量来衡量飞机的制造进度。</a:t>
-            </a:r>
-            <a:endParaRPr lang="zh-CN" altLang="en-US" sz="1400" dirty="0" smtClean="0">
-              <a:latin typeface="Arial" panose="020B0604020202020204" pitchFamily="34" charset="0"/>
-              <a:ea typeface="微软雅黑" panose="020B0503020204020204" charset="-122"/>
-            </a:endParaRPr>
-          </a:p>
-        </p:txBody>
-      </p:sp>
-      <p:sp>
-        <p:nvSpPr>
-          <p:cNvPr id="10" name="文本框 9"/>
-          <p:cNvSpPr txBox="1"/>
-          <p:nvPr/>
-        </p:nvSpPr>
-        <p:spPr>
-          <a:xfrm>
-            <a:off x="475615" y="4641850"/>
-            <a:ext cx="3719830" cy="370840"/>
-          </a:xfrm>
-          <a:prstGeom prst="rect">
-            <a:avLst/>
-          </a:prstGeom>
-          <a:noFill/>
-        </p:spPr>
-        <p:txBody>
-          <a:bodyPr wrap="square" rtlCol="0" anchor="t">
-            <a:spAutoFit/>
-          </a:bodyPr>
-          <a:p>
-            <a:pPr>
-              <a:lnSpc>
-                <a:spcPct val="130000"/>
-              </a:lnSpc>
-            </a:pPr>
-            <a:r>
-              <a:rPr lang="zh-CN" altLang="en-US" sz="1400" dirty="0" smtClean="0">
-                <a:latin typeface="Arial" panose="020B0604020202020204" pitchFamily="34" charset="0"/>
-                <a:ea typeface="微软雅黑" panose="020B0503020204020204" charset="-122"/>
-              </a:rPr>
-              <a:t>首先，解决问题。而后，编写代码。</a:t>
-            </a:r>
-            <a:endParaRPr lang="zh-CN" altLang="en-US" sz="1400" dirty="0" smtClean="0">
-              <a:latin typeface="Arial" panose="020B0604020202020204" pitchFamily="34" charset="0"/>
-              <a:ea typeface="微软雅黑" panose="020B0503020204020204" charset="-122"/>
-            </a:endParaRPr>
-          </a:p>
-        </p:txBody>
-      </p:sp>
-      <p:sp>
-        <p:nvSpPr>
-          <p:cNvPr id="11" name="文本框 10"/>
-          <p:cNvSpPr txBox="1"/>
-          <p:nvPr/>
-        </p:nvSpPr>
-        <p:spPr>
-          <a:xfrm>
-            <a:off x="475615" y="5170805"/>
-            <a:ext cx="4118610" cy="370840"/>
-          </a:xfrm>
-          <a:prstGeom prst="rect">
-            <a:avLst/>
-          </a:prstGeom>
-          <a:noFill/>
-        </p:spPr>
-        <p:txBody>
-          <a:bodyPr wrap="square" rtlCol="0" anchor="t">
-            <a:spAutoFit/>
-          </a:bodyPr>
-          <a:p>
-            <a:pPr>
-              <a:lnSpc>
-                <a:spcPct val="130000"/>
-              </a:lnSpc>
-            </a:pPr>
-            <a:r>
-              <a:rPr lang="zh-CN" altLang="en-US" sz="1400" dirty="0" smtClean="0">
-                <a:latin typeface="Arial" panose="020B0604020202020204" pitchFamily="34" charset="0"/>
-                <a:ea typeface="微软雅黑" panose="020B0503020204020204" charset="-122"/>
-              </a:rPr>
-              <a:t>你不能信任不是完全由你自己写的代码。</a:t>
-            </a:r>
-            <a:endParaRPr lang="zh-CN" altLang="en-US" sz="1400" dirty="0" smtClean="0">
-              <a:latin typeface="Arial" panose="020B0604020202020204" pitchFamily="34" charset="0"/>
-              <a:ea typeface="微软雅黑" panose="020B0503020204020204" charset="-122"/>
-            </a:endParaRPr>
-          </a:p>
-        </p:txBody>
-      </p:sp>
-      <p:sp>
-        <p:nvSpPr>
-          <p:cNvPr id="12" name="文本框 11"/>
-          <p:cNvSpPr txBox="1"/>
-          <p:nvPr/>
-        </p:nvSpPr>
-        <p:spPr>
-          <a:xfrm>
-            <a:off x="475615" y="5699760"/>
-            <a:ext cx="4191635" cy="370840"/>
-          </a:xfrm>
-          <a:prstGeom prst="rect">
-            <a:avLst/>
-          </a:prstGeom>
-          <a:noFill/>
-          <a:ln>
-            <a:solidFill>
-              <a:srgbClr val="FF0000"/>
-            </a:solidFill>
-          </a:ln>
-        </p:spPr>
-        <p:txBody>
-          <a:bodyPr wrap="square" rtlCol="0" anchor="t">
-            <a:spAutoFit/>
-          </a:bodyPr>
-          <a:p>
-            <a:pPr>
-              <a:lnSpc>
-                <a:spcPct val="130000"/>
-              </a:lnSpc>
-            </a:pPr>
-            <a:r>
-              <a:rPr lang="zh-CN" altLang="en-US" sz="1400" dirty="0" smtClean="0">
-                <a:latin typeface="Arial" panose="020B0604020202020204" pitchFamily="34" charset="0"/>
-                <a:ea typeface="微软雅黑" panose="020B0503020204020204" charset="-122"/>
-              </a:rPr>
-              <a:t>没有什么代码会比没有代码速度更快。</a:t>
-            </a:r>
-            <a:endParaRPr lang="zh-CN" altLang="en-US" sz="1400" dirty="0" smtClean="0">
-              <a:latin typeface="Arial" panose="020B0604020202020204" pitchFamily="34" charset="0"/>
-              <a:ea typeface="微软雅黑" panose="020B0503020204020204" charset="-122"/>
-            </a:endParaRPr>
-          </a:p>
-        </p:txBody>
-      </p:sp>
-      <p:sp>
-        <p:nvSpPr>
-          <p:cNvPr id="13" name="文本框 12"/>
-          <p:cNvSpPr txBox="1"/>
-          <p:nvPr/>
-        </p:nvSpPr>
-        <p:spPr>
-          <a:xfrm>
-            <a:off x="475615" y="6228715"/>
-            <a:ext cx="6630670" cy="370840"/>
-          </a:xfrm>
-          <a:prstGeom prst="rect">
-            <a:avLst/>
-          </a:prstGeom>
-          <a:noFill/>
-          <a:ln>
-            <a:solidFill>
-              <a:srgbClr val="FF0000"/>
-            </a:solidFill>
-          </a:ln>
-        </p:spPr>
-        <p:txBody>
-          <a:bodyPr wrap="square" rtlCol="0" anchor="t">
-            <a:spAutoFit/>
-          </a:bodyPr>
-          <a:p>
-            <a:pPr>
-              <a:lnSpc>
-                <a:spcPct val="130000"/>
-              </a:lnSpc>
-            </a:pPr>
-            <a:r>
-              <a:rPr lang="zh-CN" altLang="en-US" sz="1400" dirty="0" smtClean="0">
-                <a:latin typeface="Arial" panose="020B0604020202020204" pitchFamily="34" charset="0"/>
-                <a:ea typeface="微软雅黑" panose="020B0503020204020204" charset="-122"/>
-              </a:rPr>
-              <a:t>软件中如此多的复杂性皆来自于想在做一件事的同时多做几件事。</a:t>
-            </a:r>
-            <a:endParaRPr lang="zh-CN" altLang="en-US" sz="1400" dirty="0" smtClean="0">
-              <a:latin typeface="Arial" panose="020B0604020202020204" pitchFamily="34" charset="0"/>
-              <a:ea typeface="微软雅黑" panose="020B0503020204020204" charset="-122"/>
-            </a:endParaRPr>
-          </a:p>
-        </p:txBody>
-      </p:sp>
-      <p:sp>
-        <p:nvSpPr>
-          <p:cNvPr id="14" name="七角星 13"/>
-          <p:cNvSpPr/>
-          <p:nvPr/>
-        </p:nvSpPr>
-        <p:spPr>
-          <a:xfrm>
-            <a:off x="6583045" y="2234565"/>
-            <a:ext cx="2646680" cy="1530985"/>
-          </a:xfrm>
-          <a:prstGeom prst="star7">
-            <a:avLst/>
-          </a:prstGeom>
-          <a:ln>
-            <a:noFill/>
-          </a:ln>
-        </p:spPr>
-        <p:style>
-          <a:lnRef idx="2">
-            <a:schemeClr val="accent1">
-              <a:shade val="50000"/>
-            </a:schemeClr>
-          </a:lnRef>
-          <a:fillRef idx="1">
-            <a:schemeClr val="accent1"/>
-          </a:fillRef>
-          <a:effectRef idx="0">
-            <a:schemeClr val="accent1"/>
-          </a:effectRef>
-          <a:fontRef idx="minor">
-            <a:schemeClr val="lt1"/>
-          </a:fontRef>
-        </p:style>
-        <p:txBody>
-          <a:bodyPr rtlCol="0" anchor="ctr"/>
-          <a:p>
-            <a:pPr algn="ctr"/>
-            <a:r>
-              <a:rPr lang="en-US" altLang="zh-CN" sz="1600"/>
-              <a:t>Garbage IN</a:t>
-            </a:r>
-            <a:r>
-              <a:rPr lang="zh-CN" altLang="en-US" sz="1600"/>
-              <a:t>，</a:t>
-            </a:r>
-            <a:endParaRPr lang="zh-CN" altLang="en-US" sz="1600"/>
-          </a:p>
-          <a:p>
-            <a:pPr algn="ctr"/>
-            <a:r>
-              <a:rPr lang="en-US" altLang="zh-CN" sz="1600"/>
-              <a:t>Garbage Out</a:t>
-            </a:r>
-            <a:endParaRPr lang="en-US" altLang="zh-CN" sz="1600"/>
           </a:p>
         </p:txBody>
       </p:sp>
@@ -26676,7 +26163,7 @@
           <a:p>
             <a:r>
               <a:rPr lang="zh-CN" altLang="en-US"/>
-              <a:t>附录：分布式的八大谬误</a:t>
+              <a:t>附录：编程名言</a:t>
             </a:r>
             <a:endParaRPr lang="zh-CN" altLang="en-US"/>
           </a:p>
@@ -26684,14 +26171,14 @@
       </p:sp>
       <p:sp>
         <p:nvSpPr>
-          <p:cNvPr id="14" name="文本框 13"/>
+          <p:cNvPr id="3" name="文本框 2"/>
           <p:cNvSpPr txBox="1"/>
           <p:nvPr/>
         </p:nvSpPr>
         <p:spPr>
           <a:xfrm>
-            <a:off x="419100" y="1007110"/>
-            <a:ext cx="7618730" cy="3725545"/>
+            <a:off x="419100" y="883285"/>
+            <a:ext cx="5744845" cy="250825"/>
           </a:xfrm>
           <a:prstGeom prst="rect">
             <a:avLst/>
@@ -26709,28 +26196,84 @@
               </a:lnSpc>
             </a:pPr>
             <a:r>
-              <a:rPr lang="zh-CN" altLang="en-US" sz="1400" dirty="0" smtClean="0">
+              <a:rPr lang="zh-CN" altLang="en-US" sz="800" dirty="0" smtClean="0">
                 <a:latin typeface="Arial" panose="020B0604020202020204" pitchFamily="34" charset="0"/>
                 <a:ea typeface="微软雅黑" panose="020B0503020204020204" charset="-122"/>
               </a:rPr>
-              <a:t>分布式计算的八大谬误</a:t>
-            </a:r>
-            <a:endParaRPr lang="zh-CN" altLang="en-US" sz="1400" dirty="0" smtClean="0">
+              <a:t>https://linux.cn/article-5831-1.html</a:t>
+            </a:r>
+            <a:endParaRPr lang="zh-CN" altLang="en-US" sz="800" dirty="0" smtClean="0">
               <a:latin typeface="Arial" panose="020B0604020202020204" pitchFamily="34" charset="0"/>
               <a:ea typeface="微软雅黑" panose="020B0503020204020204" charset="-122"/>
             </a:endParaRPr>
           </a:p>
+        </p:txBody>
+      </p:sp>
+      <p:sp>
+        <p:nvSpPr>
+          <p:cNvPr id="4" name="文本框 3"/>
+          <p:cNvSpPr txBox="1"/>
+          <p:nvPr/>
+        </p:nvSpPr>
+        <p:spPr>
+          <a:xfrm>
+            <a:off x="475615" y="1188720"/>
+            <a:ext cx="8241665" cy="650240"/>
+          </a:xfrm>
+          <a:prstGeom prst="rect">
+            <a:avLst/>
+          </a:prstGeom>
+          <a:noFill/>
+        </p:spPr>
+        <p:txBody>
+          <a:bodyPr wrap="square" rtlCol="0" anchor="t">
+            <a:spAutoFit/>
+          </a:bodyPr>
           <a:p>
             <a:pPr>
               <a:lnSpc>
                 <a:spcPct val="130000"/>
               </a:lnSpc>
             </a:pPr>
+            <a:r>
+              <a:rPr lang="zh-CN" altLang="en-US" sz="1400" dirty="0" smtClean="0">
+                <a:latin typeface="Arial" panose="020B0604020202020204" pitchFamily="34" charset="0"/>
+                <a:ea typeface="微软雅黑" panose="020B0503020204020204" charset="-122"/>
+              </a:rPr>
+              <a:t>有两种软件设计的方式：一种是使它足够简单以致于明显没有缺陷，另一种则是使它足够复杂以致于没有明显的缺陷。</a:t>
+            </a:r>
             <a:endParaRPr lang="zh-CN" altLang="en-US" sz="1400" dirty="0" smtClean="0">
               <a:latin typeface="Arial" panose="020B0604020202020204" pitchFamily="34" charset="0"/>
               <a:ea typeface="微软雅黑" panose="020B0503020204020204" charset="-122"/>
             </a:endParaRPr>
           </a:p>
+        </p:txBody>
+      </p:sp>
+      <p:sp>
+        <p:nvSpPr>
+          <p:cNvPr id="5" name="文本框 4"/>
+          <p:cNvSpPr txBox="1"/>
+          <p:nvPr/>
+        </p:nvSpPr>
+        <p:spPr>
+          <a:xfrm>
+            <a:off x="475615" y="1997075"/>
+            <a:ext cx="2694305" cy="370840"/>
+          </a:xfrm>
+          <a:prstGeom prst="rect">
+            <a:avLst/>
+          </a:prstGeom>
+          <a:noFill/>
+          <a:ln>
+            <a:solidFill>
+              <a:srgbClr val="FF0000"/>
+            </a:solidFill>
+          </a:ln>
+        </p:spPr>
+        <p:txBody>
+          <a:bodyPr wrap="square" rtlCol="0" anchor="t">
+            <a:spAutoFit/>
+          </a:bodyPr>
           <a:p>
             <a:pPr>
               <a:lnSpc>
@@ -26742,183 +26285,420 @@
                 <a:latin typeface="Arial" panose="020B0604020202020204" pitchFamily="34" charset="0"/>
                 <a:ea typeface="微软雅黑" panose="020B0503020204020204" charset="-122"/>
               </a:rPr>
-              <a:t>实际上，每个人，当他第一次构建分布式应用时，都会作出如下八个假设。长远来看，这些假设都被证明是错误的，并且都造成了巨大的麻烦和沉痛的经验教训。</a:t>
+              <a:t>若无把握，暴力破解。</a:t>
             </a:r>
             <a:endParaRPr lang="zh-CN" altLang="en-US" sz="1400" dirty="0" smtClean="0">
               <a:latin typeface="Arial" panose="020B0604020202020204" pitchFamily="34" charset="0"/>
               <a:ea typeface="微软雅黑" panose="020B0503020204020204" charset="-122"/>
             </a:endParaRPr>
           </a:p>
+        </p:txBody>
+      </p:sp>
+      <p:sp>
+        <p:nvSpPr>
+          <p:cNvPr id="6" name="文本框 5"/>
+          <p:cNvSpPr txBox="1"/>
+          <p:nvPr/>
+        </p:nvSpPr>
+        <p:spPr>
+          <a:xfrm>
+            <a:off x="475615" y="2526030"/>
+            <a:ext cx="5981065" cy="370840"/>
+          </a:xfrm>
+          <a:prstGeom prst="rect">
+            <a:avLst/>
+          </a:prstGeom>
+          <a:noFill/>
+          <a:ln>
+            <a:solidFill>
+              <a:srgbClr val="FF0000"/>
+            </a:solidFill>
+          </a:ln>
+        </p:spPr>
+        <p:txBody>
+          <a:bodyPr wrap="square" rtlCol="0" anchor="t">
+            <a:spAutoFit/>
+          </a:bodyPr>
           <a:p>
             <a:pPr>
               <a:lnSpc>
                 <a:spcPct val="130000"/>
               </a:lnSpc>
             </a:pPr>
+            <a:r>
+              <a:rPr lang="zh-CN" altLang="en-US" sz="1400" dirty="0" smtClean="0">
+                <a:latin typeface="Arial" panose="020B0604020202020204" pitchFamily="34" charset="0"/>
+                <a:ea typeface="微软雅黑" panose="020B0503020204020204" charset="-122"/>
+              </a:rPr>
+              <a:t>最有效的调试工具是静下心来仔细思考，辅之审慎地放置打印语句。</a:t>
+            </a:r>
             <a:endParaRPr lang="zh-CN" altLang="en-US" sz="1400" dirty="0" smtClean="0">
               <a:latin typeface="Arial" panose="020B0604020202020204" pitchFamily="34" charset="0"/>
               <a:ea typeface="微软雅黑" panose="020B0503020204020204" charset="-122"/>
             </a:endParaRPr>
           </a:p>
-          <a:p>
-            <a:pPr marL="342900" indent="-342900">
+        </p:txBody>
+      </p:sp>
+      <p:sp>
+        <p:nvSpPr>
+          <p:cNvPr id="7" name="文本框 6"/>
+          <p:cNvSpPr txBox="1"/>
+          <p:nvPr/>
+        </p:nvSpPr>
+        <p:spPr>
+          <a:xfrm>
+            <a:off x="475615" y="3054985"/>
+            <a:ext cx="4516120" cy="370840"/>
+          </a:xfrm>
+          <a:prstGeom prst="rect">
+            <a:avLst/>
+          </a:prstGeom>
+          <a:noFill/>
+        </p:spPr>
+        <p:txBody>
+          <a:bodyPr wrap="square" rtlCol="0" anchor="t">
+            <a:spAutoFit/>
+          </a:bodyPr>
+          <a:p>
+            <a:pPr>
               <a:lnSpc>
                 <a:spcPct val="130000"/>
               </a:lnSpc>
-              <a:buFont typeface="+mj-ea"/>
-              <a:buAutoNum type="circleNumDbPlain"/>
+            </a:pPr>
+            <a:r>
+              <a:rPr lang="zh-CN" altLang="en-US" sz="1400" b="1" dirty="0" smtClean="0">
+                <a:latin typeface="Arial" panose="020B0604020202020204" pitchFamily="34" charset="0"/>
+                <a:ea typeface="微软雅黑" panose="020B0503020204020204" charset="-122"/>
+              </a:rPr>
+              <a:t>限制方法的灵活性几乎总会让你把事情做得更好。</a:t>
+            </a:r>
+            <a:endParaRPr lang="zh-CN" altLang="en-US" sz="1400" b="1" dirty="0" smtClean="0">
+              <a:latin typeface="Arial" panose="020B0604020202020204" pitchFamily="34" charset="0"/>
+              <a:ea typeface="微软雅黑" panose="020B0503020204020204" charset="-122"/>
+            </a:endParaRPr>
+          </a:p>
+        </p:txBody>
+      </p:sp>
+      <p:sp>
+        <p:nvSpPr>
+          <p:cNvPr id="8" name="文本框 7"/>
+          <p:cNvSpPr txBox="1"/>
+          <p:nvPr/>
+        </p:nvSpPr>
+        <p:spPr>
+          <a:xfrm>
+            <a:off x="475615" y="3583940"/>
+            <a:ext cx="5753735" cy="370840"/>
+          </a:xfrm>
+          <a:prstGeom prst="rect">
+            <a:avLst/>
+          </a:prstGeom>
+          <a:solidFill>
+            <a:schemeClr val="accent3">
+              <a:lumMod val="20000"/>
+              <a:lumOff val="80000"/>
+            </a:schemeClr>
+          </a:solidFill>
+          <a:ln>
+            <a:solidFill>
+              <a:srgbClr val="FF0000"/>
+            </a:solidFill>
+          </a:ln>
+        </p:spPr>
+        <p:txBody>
+          <a:bodyPr wrap="square" rtlCol="0" anchor="t">
+            <a:spAutoFit/>
+          </a:bodyPr>
+          <a:p>
+            <a:pPr>
+              <a:lnSpc>
+                <a:spcPct val="130000"/>
+              </a:lnSpc>
             </a:pPr>
             <a:r>
               <a:rPr lang="zh-CN" altLang="en-US" sz="1400" dirty="0" smtClean="0">
                 <a:latin typeface="Arial" panose="020B0604020202020204" pitchFamily="34" charset="0"/>
                 <a:ea typeface="微软雅黑" panose="020B0503020204020204" charset="-122"/>
               </a:rPr>
-              <a:t>网络可靠</a:t>
+              <a:t>所有计算机的问题都可以通过增加一个中间层来解决。</a:t>
             </a:r>
             <a:endParaRPr lang="zh-CN" altLang="en-US" sz="1400" dirty="0" smtClean="0">
               <a:latin typeface="Arial" panose="020B0604020202020204" pitchFamily="34" charset="0"/>
               <a:ea typeface="微软雅黑" panose="020B0503020204020204" charset="-122"/>
             </a:endParaRPr>
           </a:p>
-          <a:p>
-            <a:pPr marL="342900" indent="-342900">
+        </p:txBody>
+      </p:sp>
+      <p:sp>
+        <p:nvSpPr>
+          <p:cNvPr id="9" name="文本框 8"/>
+          <p:cNvSpPr txBox="1"/>
+          <p:nvPr/>
+        </p:nvSpPr>
+        <p:spPr>
+          <a:xfrm>
+            <a:off x="475615" y="4112895"/>
+            <a:ext cx="5903595" cy="370840"/>
+          </a:xfrm>
+          <a:prstGeom prst="rect">
+            <a:avLst/>
+          </a:prstGeom>
+          <a:noFill/>
+          <a:ln>
+            <a:solidFill>
+              <a:srgbClr val="FF0000"/>
+            </a:solidFill>
+          </a:ln>
+        </p:spPr>
+        <p:txBody>
+          <a:bodyPr wrap="square" rtlCol="0" anchor="t">
+            <a:spAutoFit/>
+          </a:bodyPr>
+          <a:p>
+            <a:pPr>
               <a:lnSpc>
                 <a:spcPct val="130000"/>
               </a:lnSpc>
-              <a:buFont typeface="+mj-ea"/>
-              <a:buAutoNum type="circleNumDbPlain"/>
             </a:pPr>
             <a:r>
               <a:rPr lang="zh-CN" altLang="en-US" sz="1400" dirty="0" smtClean="0">
                 <a:latin typeface="Arial" panose="020B0604020202020204" pitchFamily="34" charset="0"/>
                 <a:ea typeface="微软雅黑" panose="020B0503020204020204" charset="-122"/>
               </a:rPr>
-              <a:t>零延迟</a:t>
+              <a:t>以代码行数来衡量程序设计的进度，就好比以重量来衡量飞机的制造进度。</a:t>
             </a:r>
             <a:endParaRPr lang="zh-CN" altLang="en-US" sz="1400" dirty="0" smtClean="0">
               <a:latin typeface="Arial" panose="020B0604020202020204" pitchFamily="34" charset="0"/>
               <a:ea typeface="微软雅黑" panose="020B0503020204020204" charset="-122"/>
             </a:endParaRPr>
           </a:p>
-          <a:p>
-            <a:pPr marL="342900" indent="-342900">
+        </p:txBody>
+      </p:sp>
+      <p:sp>
+        <p:nvSpPr>
+          <p:cNvPr id="10" name="文本框 9"/>
+          <p:cNvSpPr txBox="1"/>
+          <p:nvPr/>
+        </p:nvSpPr>
+        <p:spPr>
+          <a:xfrm>
+            <a:off x="475615" y="4641850"/>
+            <a:ext cx="3719830" cy="370840"/>
+          </a:xfrm>
+          <a:prstGeom prst="rect">
+            <a:avLst/>
+          </a:prstGeom>
+          <a:noFill/>
+        </p:spPr>
+        <p:txBody>
+          <a:bodyPr wrap="square" rtlCol="0" anchor="t">
+            <a:spAutoFit/>
+          </a:bodyPr>
+          <a:p>
+            <a:pPr>
               <a:lnSpc>
                 <a:spcPct val="130000"/>
               </a:lnSpc>
-              <a:buFont typeface="+mj-ea"/>
-              <a:buAutoNum type="circleNumDbPlain"/>
             </a:pPr>
             <a:r>
               <a:rPr lang="zh-CN" altLang="en-US" sz="1400" dirty="0" smtClean="0">
                 <a:latin typeface="Arial" panose="020B0604020202020204" pitchFamily="34" charset="0"/>
                 <a:ea typeface="微软雅黑" panose="020B0503020204020204" charset="-122"/>
               </a:rPr>
-              <a:t>带宽无限</a:t>
+              <a:t>首先，解决问题。而后，编写代码。</a:t>
             </a:r>
             <a:endParaRPr lang="zh-CN" altLang="en-US" sz="1400" dirty="0" smtClean="0">
               <a:latin typeface="Arial" panose="020B0604020202020204" pitchFamily="34" charset="0"/>
               <a:ea typeface="微软雅黑" panose="020B0503020204020204" charset="-122"/>
             </a:endParaRPr>
           </a:p>
-          <a:p>
-            <a:pPr marL="342900" indent="-342900">
+        </p:txBody>
+      </p:sp>
+      <p:sp>
+        <p:nvSpPr>
+          <p:cNvPr id="11" name="文本框 10"/>
+          <p:cNvSpPr txBox="1"/>
+          <p:nvPr/>
+        </p:nvSpPr>
+        <p:spPr>
+          <a:xfrm>
+            <a:off x="475615" y="5170805"/>
+            <a:ext cx="4118610" cy="370840"/>
+          </a:xfrm>
+          <a:prstGeom prst="rect">
+            <a:avLst/>
+          </a:prstGeom>
+          <a:noFill/>
+        </p:spPr>
+        <p:txBody>
+          <a:bodyPr wrap="square" rtlCol="0" anchor="t">
+            <a:spAutoFit/>
+          </a:bodyPr>
+          <a:p>
+            <a:pPr>
               <a:lnSpc>
                 <a:spcPct val="130000"/>
               </a:lnSpc>
-              <a:buFont typeface="+mj-ea"/>
-              <a:buAutoNum type="circleNumDbPlain"/>
             </a:pPr>
             <a:r>
               <a:rPr lang="zh-CN" altLang="en-US" sz="1400" dirty="0" smtClean="0">
                 <a:latin typeface="Arial" panose="020B0604020202020204" pitchFamily="34" charset="0"/>
                 <a:ea typeface="微软雅黑" panose="020B0503020204020204" charset="-122"/>
               </a:rPr>
-              <a:t>安全网络</a:t>
+              <a:t>你不能信任不是完全由你自己写的代码。</a:t>
             </a:r>
             <a:endParaRPr lang="zh-CN" altLang="en-US" sz="1400" dirty="0" smtClean="0">
               <a:latin typeface="Arial" panose="020B0604020202020204" pitchFamily="34" charset="0"/>
               <a:ea typeface="微软雅黑" panose="020B0503020204020204" charset="-122"/>
             </a:endParaRPr>
           </a:p>
-          <a:p>
-            <a:pPr marL="342900" indent="-342900">
+        </p:txBody>
+      </p:sp>
+      <p:sp>
+        <p:nvSpPr>
+          <p:cNvPr id="12" name="文本框 11"/>
+          <p:cNvSpPr txBox="1"/>
+          <p:nvPr/>
+        </p:nvSpPr>
+        <p:spPr>
+          <a:xfrm>
+            <a:off x="475615" y="5699760"/>
+            <a:ext cx="4191635" cy="370840"/>
+          </a:xfrm>
+          <a:prstGeom prst="rect">
+            <a:avLst/>
+          </a:prstGeom>
+          <a:noFill/>
+          <a:ln>
+            <a:solidFill>
+              <a:srgbClr val="FF0000"/>
+            </a:solidFill>
+          </a:ln>
+        </p:spPr>
+        <p:txBody>
+          <a:bodyPr wrap="square" rtlCol="0" anchor="t">
+            <a:spAutoFit/>
+          </a:bodyPr>
+          <a:p>
+            <a:pPr>
               <a:lnSpc>
                 <a:spcPct val="130000"/>
               </a:lnSpc>
-              <a:buFont typeface="+mj-ea"/>
-              <a:buAutoNum type="circleNumDbPlain"/>
             </a:pPr>
             <a:r>
               <a:rPr lang="zh-CN" altLang="en-US" sz="1400" dirty="0" smtClean="0">
                 <a:latin typeface="Arial" panose="020B0604020202020204" pitchFamily="34" charset="0"/>
                 <a:ea typeface="微软雅黑" panose="020B0503020204020204" charset="-122"/>
               </a:rPr>
-              <a:t>拓扑不变</a:t>
+              <a:t>没有什么代码会比没有代码速度更快。</a:t>
             </a:r>
             <a:endParaRPr lang="zh-CN" altLang="en-US" sz="1400" dirty="0" smtClean="0">
               <a:latin typeface="Arial" panose="020B0604020202020204" pitchFamily="34" charset="0"/>
               <a:ea typeface="微软雅黑" panose="020B0503020204020204" charset="-122"/>
             </a:endParaRPr>
           </a:p>
-          <a:p>
-            <a:pPr marL="342900" indent="-342900">
+        </p:txBody>
+      </p:sp>
+      <p:sp>
+        <p:nvSpPr>
+          <p:cNvPr id="13" name="文本框 12"/>
+          <p:cNvSpPr txBox="1"/>
+          <p:nvPr/>
+        </p:nvSpPr>
+        <p:spPr>
+          <a:xfrm>
+            <a:off x="475615" y="6228715"/>
+            <a:ext cx="6630670" cy="370840"/>
+          </a:xfrm>
+          <a:prstGeom prst="rect">
+            <a:avLst/>
+          </a:prstGeom>
+          <a:noFill/>
+          <a:ln>
+            <a:solidFill>
+              <a:srgbClr val="FF0000"/>
+            </a:solidFill>
+          </a:ln>
+        </p:spPr>
+        <p:txBody>
+          <a:bodyPr wrap="square" rtlCol="0" anchor="t">
+            <a:spAutoFit/>
+          </a:bodyPr>
+          <a:p>
+            <a:pPr>
               <a:lnSpc>
                 <a:spcPct val="130000"/>
               </a:lnSpc>
-              <a:buFont typeface="+mj-ea"/>
-              <a:buAutoNum type="circleNumDbPlain"/>
             </a:pPr>
             <a:r>
               <a:rPr lang="zh-CN" altLang="en-US" sz="1400" dirty="0" smtClean="0">
                 <a:latin typeface="Arial" panose="020B0604020202020204" pitchFamily="34" charset="0"/>
                 <a:ea typeface="微软雅黑" panose="020B0503020204020204" charset="-122"/>
               </a:rPr>
-              <a:t>有个管理者</a:t>
+              <a:t>软件中如此多的复杂性皆来自于想在做一件事的同时多做几件事。</a:t>
             </a:r>
             <a:endParaRPr lang="zh-CN" altLang="en-US" sz="1400" dirty="0" smtClean="0">
               <a:latin typeface="Arial" panose="020B0604020202020204" pitchFamily="34" charset="0"/>
               <a:ea typeface="微软雅黑" panose="020B0503020204020204" charset="-122"/>
             </a:endParaRPr>
           </a:p>
-          <a:p>
-            <a:pPr marL="342900" indent="-342900">
-              <a:lnSpc>
-                <a:spcPct val="130000"/>
-              </a:lnSpc>
-              <a:buFont typeface="+mj-ea"/>
-              <a:buAutoNum type="circleNumDbPlain"/>
-            </a:pPr>
-            <a:r>
-              <a:rPr lang="zh-CN" altLang="en-US" sz="1400" dirty="0" smtClean="0">
-                <a:latin typeface="Arial" panose="020B0604020202020204" pitchFamily="34" charset="0"/>
-                <a:ea typeface="微软雅黑" panose="020B0503020204020204" charset="-122"/>
-              </a:rPr>
-              <a:t>传输代价为零</a:t>
-            </a:r>
-            <a:endParaRPr lang="zh-CN" altLang="en-US" sz="1400" dirty="0" smtClean="0">
-              <a:latin typeface="Arial" panose="020B0604020202020204" pitchFamily="34" charset="0"/>
-              <a:ea typeface="微软雅黑" panose="020B0503020204020204" charset="-122"/>
-            </a:endParaRPr>
-          </a:p>
-          <a:p>
-            <a:pPr marL="342900" indent="-342900">
-              <a:lnSpc>
-                <a:spcPct val="130000"/>
-              </a:lnSpc>
-              <a:buFont typeface="+mj-ea"/>
-              <a:buAutoNum type="circleNumDbPlain"/>
-            </a:pPr>
-            <a:r>
-              <a:rPr lang="zh-CN" altLang="en-US" sz="1400" dirty="0" smtClean="0">
-                <a:latin typeface="Arial" panose="020B0604020202020204" pitchFamily="34" charset="0"/>
-                <a:ea typeface="微软雅黑" panose="020B0503020204020204" charset="-122"/>
-              </a:rPr>
-              <a:t>网络同构</a:t>
-            </a:r>
-            <a:endParaRPr lang="zh-CN" altLang="en-US" sz="1400" dirty="0" smtClean="0">
-              <a:latin typeface="Arial" panose="020B0604020202020204" pitchFamily="34" charset="0"/>
-              <a:ea typeface="微软雅黑" panose="020B0503020204020204" charset="-122"/>
-            </a:endParaRPr>
+        </p:txBody>
+      </p:sp>
+      <p:sp>
+        <p:nvSpPr>
+          <p:cNvPr id="14" name="七角星 13"/>
+          <p:cNvSpPr/>
+          <p:nvPr/>
+        </p:nvSpPr>
+        <p:spPr>
+          <a:xfrm>
+            <a:off x="6583045" y="2234565"/>
+            <a:ext cx="2646680" cy="1530985"/>
+          </a:xfrm>
+          <a:prstGeom prst="star7">
+            <a:avLst/>
+          </a:prstGeom>
+          <a:ln>
+            <a:noFill/>
+          </a:ln>
+        </p:spPr>
+        <p:style>
+          <a:lnRef idx="2">
+            <a:schemeClr val="accent1">
+              <a:shade val="50000"/>
+            </a:schemeClr>
+          </a:lnRef>
+          <a:fillRef idx="1">
+            <a:schemeClr val="accent1"/>
+          </a:fillRef>
+          <a:effectRef idx="0">
+            <a:schemeClr val="accent1"/>
+          </a:effectRef>
+          <a:fontRef idx="minor">
+            <a:schemeClr val="lt1"/>
+          </a:fontRef>
+        </p:style>
+        <p:txBody>
+          <a:bodyPr rtlCol="0" anchor="ctr"/>
+          <a:p>
+            <a:pPr algn="ctr"/>
+            <a:r>
+              <a:rPr lang="en-US" altLang="zh-CN" sz="1600"/>
+              <a:t>Garbage IN</a:t>
+            </a:r>
+            <a:r>
+              <a:rPr lang="zh-CN" altLang="en-US" sz="1600"/>
+              <a:t>，</a:t>
+            </a:r>
+            <a:endParaRPr lang="zh-CN" altLang="en-US" sz="1600"/>
+          </a:p>
+          <a:p>
+            <a:pPr algn="ctr"/>
+            <a:r>
+              <a:rPr lang="en-US" altLang="zh-CN" sz="1600"/>
+              <a:t>Garbage Out</a:t>
+            </a:r>
+            <a:endParaRPr lang="en-US" altLang="zh-CN" sz="1600"/>
           </a:p>
         </p:txBody>
       </p:sp>
@@ -26935,6 +26715,290 @@
 </file>
 
 <file path=ppt/slides/slide27.xml><?xml version="1.0" encoding="utf-8"?>
+<p:sld xmlns:a="http://schemas.openxmlformats.org/drawingml/2006/main" xmlns:r="http://schemas.openxmlformats.org/officeDocument/2006/relationships" xmlns:p="http://schemas.openxmlformats.org/presentationml/2006/main">
+  <p:cSld>
+    <p:spTree>
+      <p:nvGrpSpPr>
+        <p:cNvPr id="1" name=""/>
+        <p:cNvGrpSpPr/>
+        <p:nvPr/>
+      </p:nvGrpSpPr>
+      <p:grpSpPr/>
+      <p:sp>
+        <p:nvSpPr>
+          <p:cNvPr id="2" name="标题 1"/>
+          <p:cNvSpPr>
+            <a:spLocks noGrp="1"/>
+          </p:cNvSpPr>
+          <p:nvPr>
+            <p:ph type="title"/>
+          </p:nvPr>
+        </p:nvSpPr>
+        <p:spPr/>
+        <p:txBody>
+          <a:bodyPr/>
+          <a:p>
+            <a:r>
+              <a:rPr lang="zh-CN" altLang="en-US"/>
+              <a:t>附录：分布式的八大谬误</a:t>
+            </a:r>
+            <a:endParaRPr lang="zh-CN" altLang="en-US"/>
+          </a:p>
+        </p:txBody>
+      </p:sp>
+      <p:sp>
+        <p:nvSpPr>
+          <p:cNvPr id="14" name="文本框 13"/>
+          <p:cNvSpPr txBox="1"/>
+          <p:nvPr/>
+        </p:nvSpPr>
+        <p:spPr>
+          <a:xfrm>
+            <a:off x="419100" y="1007110"/>
+            <a:ext cx="7618730" cy="3725545"/>
+          </a:xfrm>
+          <a:prstGeom prst="rect">
+            <a:avLst/>
+          </a:prstGeom>
+          <a:noFill/>
+        </p:spPr>
+        <p:txBody>
+          <a:bodyPr wrap="square" rtlCol="0" anchor="t">
+            <a:spAutoFit/>
+          </a:bodyPr>
+          <a:p>
+            <a:pPr>
+              <a:lnSpc>
+                <a:spcPct val="130000"/>
+              </a:lnSpc>
+            </a:pPr>
+            <a:r>
+              <a:rPr lang="zh-CN" altLang="en-US" sz="1400" dirty="0" smtClean="0">
+                <a:latin typeface="Arial" panose="020B0604020202020204" pitchFamily="34" charset="0"/>
+                <a:ea typeface="微软雅黑" panose="020B0503020204020204" charset="-122"/>
+              </a:rPr>
+              <a:t>分布式计算的八大谬误</a:t>
+            </a:r>
+            <a:endParaRPr lang="zh-CN" altLang="en-US" sz="1400" dirty="0" smtClean="0">
+              <a:latin typeface="Arial" panose="020B0604020202020204" pitchFamily="34" charset="0"/>
+              <a:ea typeface="微软雅黑" panose="020B0503020204020204" charset="-122"/>
+            </a:endParaRPr>
+          </a:p>
+          <a:p>
+            <a:pPr>
+              <a:lnSpc>
+                <a:spcPct val="130000"/>
+              </a:lnSpc>
+            </a:pPr>
+            <a:endParaRPr lang="zh-CN" altLang="en-US" sz="1400" dirty="0" smtClean="0">
+              <a:latin typeface="Arial" panose="020B0604020202020204" pitchFamily="34" charset="0"/>
+              <a:ea typeface="微软雅黑" panose="020B0503020204020204" charset="-122"/>
+            </a:endParaRPr>
+          </a:p>
+          <a:p>
+            <a:pPr>
+              <a:lnSpc>
+                <a:spcPct val="130000"/>
+              </a:lnSpc>
+            </a:pPr>
+            <a:r>
+              <a:rPr lang="zh-CN" altLang="en-US" sz="1400" dirty="0" smtClean="0">
+                <a:latin typeface="Arial" panose="020B0604020202020204" pitchFamily="34" charset="0"/>
+                <a:ea typeface="微软雅黑" panose="020B0503020204020204" charset="-122"/>
+              </a:rPr>
+              <a:t>实际上，每个人，当他第一次构建分布式应用时，都会作出如下八个假设。长远来看，这些假设都被证明是错误的，并且都造成了巨大的麻烦和沉痛的经验教训。</a:t>
+            </a:r>
+            <a:endParaRPr lang="zh-CN" altLang="en-US" sz="1400" dirty="0" smtClean="0">
+              <a:latin typeface="Arial" panose="020B0604020202020204" pitchFamily="34" charset="0"/>
+              <a:ea typeface="微软雅黑" panose="020B0503020204020204" charset="-122"/>
+            </a:endParaRPr>
+          </a:p>
+          <a:p>
+            <a:pPr>
+              <a:lnSpc>
+                <a:spcPct val="130000"/>
+              </a:lnSpc>
+            </a:pPr>
+            <a:endParaRPr lang="zh-CN" altLang="en-US" sz="1400" dirty="0" smtClean="0">
+              <a:latin typeface="Arial" panose="020B0604020202020204" pitchFamily="34" charset="0"/>
+              <a:ea typeface="微软雅黑" panose="020B0503020204020204" charset="-122"/>
+            </a:endParaRPr>
+          </a:p>
+          <a:p>
+            <a:pPr marL="342900" indent="-342900">
+              <a:lnSpc>
+                <a:spcPct val="130000"/>
+              </a:lnSpc>
+              <a:buFont typeface="+mj-ea"/>
+              <a:buAutoNum type="circleNumDbPlain"/>
+            </a:pPr>
+            <a:r>
+              <a:rPr lang="zh-CN" altLang="en-US" sz="1400" dirty="0" smtClean="0">
+                <a:latin typeface="Arial" panose="020B0604020202020204" pitchFamily="34" charset="0"/>
+                <a:ea typeface="微软雅黑" panose="020B0503020204020204" charset="-122"/>
+              </a:rPr>
+              <a:t>网络可靠</a:t>
+            </a:r>
+            <a:endParaRPr lang="zh-CN" altLang="en-US" sz="1400" dirty="0" smtClean="0">
+              <a:latin typeface="Arial" panose="020B0604020202020204" pitchFamily="34" charset="0"/>
+              <a:ea typeface="微软雅黑" panose="020B0503020204020204" charset="-122"/>
+            </a:endParaRPr>
+          </a:p>
+          <a:p>
+            <a:pPr marL="342900" indent="-342900">
+              <a:lnSpc>
+                <a:spcPct val="130000"/>
+              </a:lnSpc>
+              <a:buFont typeface="+mj-ea"/>
+              <a:buAutoNum type="circleNumDbPlain"/>
+            </a:pPr>
+            <a:r>
+              <a:rPr lang="zh-CN" altLang="en-US" sz="1400" dirty="0" smtClean="0">
+                <a:latin typeface="Arial" panose="020B0604020202020204" pitchFamily="34" charset="0"/>
+                <a:ea typeface="微软雅黑" panose="020B0503020204020204" charset="-122"/>
+              </a:rPr>
+              <a:t>零延迟</a:t>
+            </a:r>
+            <a:endParaRPr lang="zh-CN" altLang="en-US" sz="1400" dirty="0" smtClean="0">
+              <a:latin typeface="Arial" panose="020B0604020202020204" pitchFamily="34" charset="0"/>
+              <a:ea typeface="微软雅黑" panose="020B0503020204020204" charset="-122"/>
+            </a:endParaRPr>
+          </a:p>
+          <a:p>
+            <a:pPr marL="342900" indent="-342900">
+              <a:lnSpc>
+                <a:spcPct val="130000"/>
+              </a:lnSpc>
+              <a:buFont typeface="+mj-ea"/>
+              <a:buAutoNum type="circleNumDbPlain"/>
+            </a:pPr>
+            <a:r>
+              <a:rPr lang="zh-CN" altLang="en-US" sz="1400" dirty="0" smtClean="0">
+                <a:latin typeface="Arial" panose="020B0604020202020204" pitchFamily="34" charset="0"/>
+                <a:ea typeface="微软雅黑" panose="020B0503020204020204" charset="-122"/>
+              </a:rPr>
+              <a:t>带宽无限</a:t>
+            </a:r>
+            <a:endParaRPr lang="zh-CN" altLang="en-US" sz="1400" dirty="0" smtClean="0">
+              <a:latin typeface="Arial" panose="020B0604020202020204" pitchFamily="34" charset="0"/>
+              <a:ea typeface="微软雅黑" panose="020B0503020204020204" charset="-122"/>
+            </a:endParaRPr>
+          </a:p>
+          <a:p>
+            <a:pPr marL="342900" indent="-342900">
+              <a:lnSpc>
+                <a:spcPct val="130000"/>
+              </a:lnSpc>
+              <a:buFont typeface="+mj-ea"/>
+              <a:buAutoNum type="circleNumDbPlain"/>
+            </a:pPr>
+            <a:r>
+              <a:rPr lang="zh-CN" altLang="en-US" sz="1400" dirty="0" smtClean="0">
+                <a:latin typeface="Arial" panose="020B0604020202020204" pitchFamily="34" charset="0"/>
+                <a:ea typeface="微软雅黑" panose="020B0503020204020204" charset="-122"/>
+              </a:rPr>
+              <a:t>安全网络</a:t>
+            </a:r>
+            <a:endParaRPr lang="zh-CN" altLang="en-US" sz="1400" dirty="0" smtClean="0">
+              <a:latin typeface="Arial" panose="020B0604020202020204" pitchFamily="34" charset="0"/>
+              <a:ea typeface="微软雅黑" panose="020B0503020204020204" charset="-122"/>
+            </a:endParaRPr>
+          </a:p>
+          <a:p>
+            <a:pPr marL="342900" indent="-342900">
+              <a:lnSpc>
+                <a:spcPct val="130000"/>
+              </a:lnSpc>
+              <a:buFont typeface="+mj-ea"/>
+              <a:buAutoNum type="circleNumDbPlain"/>
+            </a:pPr>
+            <a:r>
+              <a:rPr lang="zh-CN" altLang="en-US" sz="1400" dirty="0" smtClean="0">
+                <a:latin typeface="Arial" panose="020B0604020202020204" pitchFamily="34" charset="0"/>
+                <a:ea typeface="微软雅黑" panose="020B0503020204020204" charset="-122"/>
+              </a:rPr>
+              <a:t>拓扑不变</a:t>
+            </a:r>
+            <a:endParaRPr lang="zh-CN" altLang="en-US" sz="1400" dirty="0" smtClean="0">
+              <a:latin typeface="Arial" panose="020B0604020202020204" pitchFamily="34" charset="0"/>
+              <a:ea typeface="微软雅黑" panose="020B0503020204020204" charset="-122"/>
+            </a:endParaRPr>
+          </a:p>
+          <a:p>
+            <a:pPr marL="342900" indent="-342900">
+              <a:lnSpc>
+                <a:spcPct val="130000"/>
+              </a:lnSpc>
+              <a:buFont typeface="+mj-ea"/>
+              <a:buAutoNum type="circleNumDbPlain"/>
+            </a:pPr>
+            <a:r>
+              <a:rPr lang="zh-CN" altLang="en-US" sz="1400" dirty="0" smtClean="0">
+                <a:latin typeface="Arial" panose="020B0604020202020204" pitchFamily="34" charset="0"/>
+                <a:ea typeface="微软雅黑" panose="020B0503020204020204" charset="-122"/>
+              </a:rPr>
+              <a:t>有个管理者</a:t>
+            </a:r>
+            <a:endParaRPr lang="zh-CN" altLang="en-US" sz="1400" dirty="0" smtClean="0">
+              <a:latin typeface="Arial" panose="020B0604020202020204" pitchFamily="34" charset="0"/>
+              <a:ea typeface="微软雅黑" panose="020B0503020204020204" charset="-122"/>
+            </a:endParaRPr>
+          </a:p>
+          <a:p>
+            <a:pPr marL="342900" indent="-342900">
+              <a:lnSpc>
+                <a:spcPct val="130000"/>
+              </a:lnSpc>
+              <a:buFont typeface="+mj-ea"/>
+              <a:buAutoNum type="circleNumDbPlain"/>
+            </a:pPr>
+            <a:r>
+              <a:rPr lang="zh-CN" altLang="en-US" sz="1400" dirty="0" smtClean="0">
+                <a:latin typeface="Arial" panose="020B0604020202020204" pitchFamily="34" charset="0"/>
+                <a:ea typeface="微软雅黑" panose="020B0503020204020204" charset="-122"/>
+              </a:rPr>
+              <a:t>传输代价为零</a:t>
+            </a:r>
+            <a:endParaRPr lang="zh-CN" altLang="en-US" sz="1400" dirty="0" smtClean="0">
+              <a:latin typeface="Arial" panose="020B0604020202020204" pitchFamily="34" charset="0"/>
+              <a:ea typeface="微软雅黑" panose="020B0503020204020204" charset="-122"/>
+            </a:endParaRPr>
+          </a:p>
+          <a:p>
+            <a:pPr marL="342900" indent="-342900">
+              <a:lnSpc>
+                <a:spcPct val="130000"/>
+              </a:lnSpc>
+              <a:buFont typeface="+mj-ea"/>
+              <a:buAutoNum type="circleNumDbPlain"/>
+            </a:pPr>
+            <a:r>
+              <a:rPr lang="zh-CN" altLang="en-US" sz="1400" dirty="0" smtClean="0">
+                <a:latin typeface="Arial" panose="020B0604020202020204" pitchFamily="34" charset="0"/>
+                <a:ea typeface="微软雅黑" panose="020B0503020204020204" charset="-122"/>
+              </a:rPr>
+              <a:t>网络同构</a:t>
+            </a:r>
+            <a:endParaRPr lang="zh-CN" altLang="en-US" sz="1400" dirty="0" smtClean="0">
+              <a:latin typeface="Arial" panose="020B0604020202020204" pitchFamily="34" charset="0"/>
+              <a:ea typeface="微软雅黑" panose="020B0503020204020204" charset="-122"/>
+            </a:endParaRPr>
+          </a:p>
+        </p:txBody>
+      </p:sp>
+    </p:spTree>
+    <p:custDataLst>
+      <p:tags r:id="rId1"/>
+    </p:custDataLst>
+  </p:cSld>
+  <p:clrMapOvr>
+    <a:masterClrMapping/>
+  </p:clrMapOvr>
+  <p:transition/>
+</p:sld>
+</file>
+
+<file path=ppt/slides/slide28.xml><?xml version="1.0" encoding="utf-8"?>
 <p:sld xmlns:a="http://schemas.openxmlformats.org/drawingml/2006/main" xmlns:r="http://schemas.openxmlformats.org/officeDocument/2006/relationships" xmlns:p="http://schemas.openxmlformats.org/presentationml/2006/main">
   <p:cSld>
     <p:spTree>
@@ -32192,6 +32256,7 @@
 
 <file path=ppt/tags/tag24.xml><?xml version="1.0" encoding="utf-8"?>
 <p:tagLst xmlns:p="http://schemas.openxmlformats.org/presentationml/2006/main">
+  <p:tag name="KSO_WM_BEAUTIFY_FLAG" val="#wm#"/>
   <p:tag name="KSO_WM_TEMPLATE_CATEGORY" val="custom"/>
   <p:tag name="KSO_WM_TEMPLATE_INDEX" val="185"/>
 </p:tagLst>
@@ -32199,7 +32264,6 @@
 
 <file path=ppt/tags/tag25.xml><?xml version="1.0" encoding="utf-8"?>
 <p:tagLst xmlns:p="http://schemas.openxmlformats.org/presentationml/2006/main">
-  <p:tag name="KSO_WM_BEAUTIFY_FLAG" val="#wm#"/>
   <p:tag name="KSO_WM_TEMPLATE_CATEGORY" val="custom"/>
   <p:tag name="KSO_WM_TEMPLATE_INDEX" val="185"/>
 </p:tagLst>
@@ -32207,6 +32271,7 @@
 
 <file path=ppt/tags/tag26.xml><?xml version="1.0" encoding="utf-8"?>
 <p:tagLst xmlns:p="http://schemas.openxmlformats.org/presentationml/2006/main">
+  <p:tag name="KSO_WM_BEAUTIFY_FLAG" val="#wm#"/>
   <p:tag name="KSO_WM_TEMPLATE_CATEGORY" val="custom"/>
   <p:tag name="KSO_WM_TEMPLATE_INDEX" val="185"/>
 </p:tagLst>
@@ -32214,7 +32279,6 @@
 
 <file path=ppt/tags/tag27.xml><?xml version="1.0" encoding="utf-8"?>
 <p:tagLst xmlns:p="http://schemas.openxmlformats.org/presentationml/2006/main">
-  <p:tag name="KSO_WM_BEAUTIFY_FLAG" val="#wm#"/>
   <p:tag name="KSO_WM_TEMPLATE_CATEGORY" val="custom"/>
   <p:tag name="KSO_WM_TEMPLATE_INDEX" val="185"/>
 </p:tagLst>
@@ -32222,6 +32286,7 @@
 
 <file path=ppt/tags/tag28.xml><?xml version="1.0" encoding="utf-8"?>
 <p:tagLst xmlns:p="http://schemas.openxmlformats.org/presentationml/2006/main">
+  <p:tag name="KSO_WM_BEAUTIFY_FLAG" val="#wm#"/>
   <p:tag name="KSO_WM_TEMPLATE_CATEGORY" val="custom"/>
   <p:tag name="KSO_WM_TEMPLATE_INDEX" val="185"/>
 </p:tagLst>
@@ -32262,6 +32327,13 @@
 </file>
 
 <file path=ppt/tags/tag31.xml><?xml version="1.0" encoding="utf-8"?>
+<p:tagLst xmlns:p="http://schemas.openxmlformats.org/presentationml/2006/main">
+  <p:tag name="KSO_WM_TEMPLATE_CATEGORY" val="custom"/>
+  <p:tag name="KSO_WM_TEMPLATE_INDEX" val="185"/>
+</p:tagLst>
+</file>
+
+<file path=ppt/tags/tag32.xml><?xml version="1.0" encoding="utf-8"?>
 <p:tagLst xmlns:p="http://schemas.openxmlformats.org/presentationml/2006/main">
   <p:tag name="KSO_WM_TEMPLATE_CATEGORY" val="custom"/>
   <p:tag name="KSO_WM_TEMPLATE_INDEX" val="185"/>

--- a/第二篇_IM的技术选型.pptx
+++ b/第二篇_IM的技术选型.pptx
@@ -27046,7 +27046,7 @@
         </p:nvGraphicFramePr>
         <p:xfrm>
           <a:off x="557530" y="984250"/>
-          <a:ext cx="7213600" cy="4349750"/>
+          <a:ext cx="7213600" cy="4729480"/>
         </p:xfrm>
         <a:graphic>
           <a:graphicData uri="http://schemas.openxmlformats.org/drawingml/2006/table">
@@ -29494,7 +29494,15 @@
                       </a:pPr>
                       <a:r>
                         <a:rPr lang="zh-CN" altLang="en-US" sz="1400"/>
-                        <a:t>是一种文本协议、运营商，融合通信</a:t>
+                        <a:t>在</a:t>
+                      </a:r>
+                      <a:r>
+                        <a:rPr lang="en-US" altLang="zh-CN" sz="1400"/>
+                        <a:t>SIP</a:t>
+                      </a:r>
+                      <a:r>
+                        <a:rPr lang="zh-CN" altLang="en-US" sz="1400"/>
+                        <a:t>协议上扩展而来</a:t>
                       </a:r>
                       <a:endParaRPr lang="zh-CN" altLang="en-US" sz="1400"/>
                     </a:p>
@@ -29510,7 +29518,7 @@
                       </a:pPr>
                       <a:r>
                         <a:rPr lang="zh-CN" altLang="en-US" sz="1400"/>
-                        <a:t>全保障，非常高的互通行，扩展性</a:t>
+                        <a:t>具备成熟的音视频标准，支持各类即时通信</a:t>
                       </a:r>
                       <a:endParaRPr lang="zh-CN" altLang="en-US" sz="1400"/>
                     </a:p>
@@ -29526,9 +29534,21 @@
                       </a:pPr>
                       <a:r>
                         <a:rPr lang="zh-CN" altLang="en-US" sz="1400"/>
-                        <a:t>规范很复杂</a:t>
+                        <a:t>规范很复杂，流量消耗较大，扩展复杂。</a:t>
                       </a:r>
-                      <a:endParaRPr lang="zh-CN" altLang="en-US" sz="1400"/>
+                      <a:r>
+                        <a:rPr lang="zh-CN" altLang="en-US" sz="900">
+                          <a:solidFill>
+                            <a:srgbClr val="FF0000"/>
+                          </a:solidFill>
+                        </a:rPr>
+                        <a:t>（不适合移动终端）</a:t>
+                      </a:r>
+                      <a:endParaRPr lang="zh-CN" altLang="en-US" sz="900">
+                        <a:solidFill>
+                          <a:srgbClr val="FF0000"/>
+                        </a:solidFill>
+                      </a:endParaRPr>
                     </a:p>
                   </a:txBody>
                   <a:tcPr/>
@@ -29582,7 +29602,23 @@
                         <a:rPr lang="en-US" altLang="zh-CN" sz="1400"/>
                         <a:t>xml</a:t>
                       </a:r>
-                      <a:endParaRPr lang="en-US" altLang="zh-CN" sz="1400"/>
+                      <a:r>
+                        <a:rPr lang="zh-CN" altLang="en-US" sz="1400"/>
+                        <a:t>（</a:t>
+                      </a:r>
+                      <a:r>
+                        <a:rPr lang="zh-CN" altLang="en-US" sz="1400">
+                          <a:solidFill>
+                            <a:srgbClr val="FF0000"/>
+                          </a:solidFill>
+                        </a:rPr>
+                        <a:t>一种高耗能的协议</a:t>
+                      </a:r>
+                      <a:r>
+                        <a:rPr lang="zh-CN" altLang="en-US" sz="1400"/>
+                        <a:t>）</a:t>
+                      </a:r>
+                      <a:endParaRPr lang="zh-CN" altLang="en-US" sz="1400"/>
                     </a:p>
                   </a:txBody>
                   <a:tcPr/>
@@ -29596,7 +29632,7 @@
                       </a:pPr>
                       <a:r>
                         <a:rPr lang="zh-CN" altLang="en-US" sz="1400"/>
-                        <a:t>协议开源，可拓展性强，在各个端(包括服务器)有各种语言的实现，开发者接入方便；</a:t>
+                        <a:t>协议开源，成熟，安全，可拓展性强，在各个端(包括服务器)有各种语言的实现，开发者接入方便；</a:t>
                       </a:r>
                       <a:endParaRPr lang="zh-CN" altLang="en-US" sz="1400"/>
                     </a:p>
@@ -29659,10 +29695,20 @@
                         <a:buNone/>
                       </a:pPr>
                       <a:r>
-                        <a:rPr lang="zh-CN" altLang="en-US" sz="1400"/>
-                        <a:t>不适合弱网</a:t>
+                        <a:rPr lang="zh-CN" altLang="en-US" sz="900" b="1">
+                          <a:solidFill>
+                            <a:srgbClr val="FF0000"/>
+                          </a:solidFill>
+                          <a:sym typeface="+mn-ea"/>
+                        </a:rPr>
+                        <a:t>（不适合移动终端）</a:t>
                       </a:r>
-                      <a:endParaRPr lang="zh-CN" altLang="en-US" sz="1400"/>
+                      <a:endParaRPr lang="zh-CN" altLang="en-US" sz="900" b="1">
+                        <a:solidFill>
+                          <a:srgbClr val="FF0000"/>
+                        </a:solidFill>
+                        <a:sym typeface="+mn-ea"/>
+                      </a:endParaRPr>
                     </a:p>
                   </a:txBody>
                   <a:tcPr/>
